--- a/pisanko/images/env_4.pptx
+++ b/pisanko/images/env_4.pptx
@@ -7,10 +7,11 @@
   <p:sldIdLst>
     <p:sldId id="256" r:id="rId2"/>
     <p:sldId id="261" r:id="rId3"/>
-    <p:sldId id="257" r:id="rId4"/>
-    <p:sldId id="258" r:id="rId5"/>
-    <p:sldId id="259" r:id="rId6"/>
-    <p:sldId id="260" r:id="rId7"/>
+    <p:sldId id="262" r:id="rId4"/>
+    <p:sldId id="257" r:id="rId5"/>
+    <p:sldId id="258" r:id="rId6"/>
+    <p:sldId id="259" r:id="rId7"/>
+    <p:sldId id="260" r:id="rId8"/>
   </p:sldIdLst>
   <p:sldSz cx="9144000" cy="6858000" type="screen4x3"/>
   <p:notesSz cx="6858000" cy="9144000"/>
@@ -293,7 +294,7 @@
           <a:p>
             <a:fld id="{A06EB1A0-E3BA-4674-BF78-4038968E6120}" type="datetimeFigureOut">
               <a:rPr lang="pl-PL" smtClean="0"/>
-              <a:t>03.07.2019</a:t>
+              <a:t>04.07.2019</a:t>
             </a:fld>
             <a:endParaRPr lang="pl-PL"/>
           </a:p>
@@ -463,7 +464,7 @@
           <a:p>
             <a:fld id="{A06EB1A0-E3BA-4674-BF78-4038968E6120}" type="datetimeFigureOut">
               <a:rPr lang="pl-PL" smtClean="0"/>
-              <a:t>03.07.2019</a:t>
+              <a:t>04.07.2019</a:t>
             </a:fld>
             <a:endParaRPr lang="pl-PL"/>
           </a:p>
@@ -643,7 +644,7 @@
           <a:p>
             <a:fld id="{A06EB1A0-E3BA-4674-BF78-4038968E6120}" type="datetimeFigureOut">
               <a:rPr lang="pl-PL" smtClean="0"/>
-              <a:t>03.07.2019</a:t>
+              <a:t>04.07.2019</a:t>
             </a:fld>
             <a:endParaRPr lang="pl-PL"/>
           </a:p>
@@ -813,7 +814,7 @@
           <a:p>
             <a:fld id="{A06EB1A0-E3BA-4674-BF78-4038968E6120}" type="datetimeFigureOut">
               <a:rPr lang="pl-PL" smtClean="0"/>
-              <a:t>03.07.2019</a:t>
+              <a:t>04.07.2019</a:t>
             </a:fld>
             <a:endParaRPr lang="pl-PL"/>
           </a:p>
@@ -1059,7 +1060,7 @@
           <a:p>
             <a:fld id="{A06EB1A0-E3BA-4674-BF78-4038968E6120}" type="datetimeFigureOut">
               <a:rPr lang="pl-PL" smtClean="0"/>
-              <a:t>03.07.2019</a:t>
+              <a:t>04.07.2019</a:t>
             </a:fld>
             <a:endParaRPr lang="pl-PL"/>
           </a:p>
@@ -1347,7 +1348,7 @@
           <a:p>
             <a:fld id="{A06EB1A0-E3BA-4674-BF78-4038968E6120}" type="datetimeFigureOut">
               <a:rPr lang="pl-PL" smtClean="0"/>
-              <a:t>03.07.2019</a:t>
+              <a:t>04.07.2019</a:t>
             </a:fld>
             <a:endParaRPr lang="pl-PL"/>
           </a:p>
@@ -1769,7 +1770,7 @@
           <a:p>
             <a:fld id="{A06EB1A0-E3BA-4674-BF78-4038968E6120}" type="datetimeFigureOut">
               <a:rPr lang="pl-PL" smtClean="0"/>
-              <a:t>03.07.2019</a:t>
+              <a:t>04.07.2019</a:t>
             </a:fld>
             <a:endParaRPr lang="pl-PL"/>
           </a:p>
@@ -1887,7 +1888,7 @@
           <a:p>
             <a:fld id="{A06EB1A0-E3BA-4674-BF78-4038968E6120}" type="datetimeFigureOut">
               <a:rPr lang="pl-PL" smtClean="0"/>
-              <a:t>03.07.2019</a:t>
+              <a:t>04.07.2019</a:t>
             </a:fld>
             <a:endParaRPr lang="pl-PL"/>
           </a:p>
@@ -1982,7 +1983,7 @@
           <a:p>
             <a:fld id="{A06EB1A0-E3BA-4674-BF78-4038968E6120}" type="datetimeFigureOut">
               <a:rPr lang="pl-PL" smtClean="0"/>
-              <a:t>03.07.2019</a:t>
+              <a:t>04.07.2019</a:t>
             </a:fld>
             <a:endParaRPr lang="pl-PL"/>
           </a:p>
@@ -2259,7 +2260,7 @@
           <a:p>
             <a:fld id="{A06EB1A0-E3BA-4674-BF78-4038968E6120}" type="datetimeFigureOut">
               <a:rPr lang="pl-PL" smtClean="0"/>
-              <a:t>03.07.2019</a:t>
+              <a:t>04.07.2019</a:t>
             </a:fld>
             <a:endParaRPr lang="pl-PL"/>
           </a:p>
@@ -2512,7 +2513,7 @@
           <a:p>
             <a:fld id="{A06EB1A0-E3BA-4674-BF78-4038968E6120}" type="datetimeFigureOut">
               <a:rPr lang="pl-PL" smtClean="0"/>
-              <a:t>03.07.2019</a:t>
+              <a:t>04.07.2019</a:t>
             </a:fld>
             <a:endParaRPr lang="pl-PL"/>
           </a:p>
@@ -2725,7 +2726,7 @@
           <a:p>
             <a:fld id="{A06EB1A0-E3BA-4674-BF78-4038968E6120}" type="datetimeFigureOut">
               <a:rPr lang="pl-PL" smtClean="0"/>
-              <a:t>03.07.2019</a:t>
+              <a:t>04.07.2019</a:t>
             </a:fld>
             <a:endParaRPr lang="pl-PL"/>
           </a:p>
@@ -3171,41 +3172,379 @@
           <a:chExt cx="0" cy="0"/>
         </a:xfrm>
       </p:grpSpPr>
-      <p:sp>
-        <p:nvSpPr>
-          <p:cNvPr id="2" name="Tytuł 1"/>
-          <p:cNvSpPr>
-            <a:spLocks noGrp="1"/>
-          </p:cNvSpPr>
-          <p:nvPr>
-            <p:ph type="title"/>
-          </p:nvPr>
-        </p:nvSpPr>
-        <p:spPr/>
-        <p:txBody>
-          <a:bodyPr/>
-          <a:lstStyle/>
-          <a:p>
-            <a:endParaRPr lang="pl-PL"/>
-          </a:p>
-        </p:txBody>
-      </p:sp>
-      <p:sp>
-        <p:nvSpPr>
-          <p:cNvPr id="3" name="Symbol zastępczy zawartości 2"/>
-          <p:cNvSpPr>
-            <a:spLocks noGrp="1"/>
-          </p:cNvSpPr>
-          <p:nvPr>
-            <p:ph idx="1"/>
-          </p:nvPr>
-        </p:nvSpPr>
-        <p:spPr/>
-        <p:txBody>
-          <a:bodyPr/>
-          <a:lstStyle/>
-          <a:p>
-            <a:endParaRPr lang="pl-PL"/>
+      <p:pic>
+        <p:nvPicPr>
+          <p:cNvPr id="1026" name="Picture 2"/>
+          <p:cNvPicPr>
+            <a:picLocks noChangeAspect="1" noChangeArrowheads="1"/>
+          </p:cNvPicPr>
+          <p:nvPr/>
+        </p:nvPicPr>
+        <p:blipFill>
+          <a:blip r:embed="rId2">
+            <a:extLst>
+              <a:ext uri="{28A0092B-C50C-407E-A947-70E740481C1C}">
+                <a14:useLocalDpi xmlns:a14="http://schemas.microsoft.com/office/drawing/2010/main" val="0"/>
+              </a:ext>
+            </a:extLst>
+          </a:blip>
+          <a:srcRect/>
+          <a:stretch>
+            <a:fillRect/>
+          </a:stretch>
+        </p:blipFill>
+        <p:spPr bwMode="auto">
+          <a:xfrm>
+            <a:off x="1403648" y="259387"/>
+            <a:ext cx="3425056" cy="3122489"/>
+          </a:xfrm>
+          <a:prstGeom prst="rect">
+            <a:avLst/>
+          </a:prstGeom>
+          <a:noFill/>
+          <a:ln>
+            <a:noFill/>
+          </a:ln>
+          <a:effectLst/>
+          <a:extLst>
+            <a:ext uri="{909E8E84-426E-40DD-AFC4-6F175D3DCCD1}">
+              <a14:hiddenFill xmlns:a14="http://schemas.microsoft.com/office/drawing/2010/main">
+                <a:solidFill>
+                  <a:schemeClr val="accent1"/>
+                </a:solidFill>
+              </a14:hiddenFill>
+            </a:ext>
+            <a:ext uri="{91240B29-F687-4F45-9708-019B960494DF}">
+              <a14:hiddenLine xmlns:a14="http://schemas.microsoft.com/office/drawing/2010/main" w="9525">
+                <a:solidFill>
+                  <a:schemeClr val="tx1"/>
+                </a:solidFill>
+                <a:miter lim="800000"/>
+                <a:headEnd/>
+                <a:tailEnd/>
+              </a14:hiddenLine>
+            </a:ext>
+            <a:ext uri="{AF507438-7753-43E0-B8FC-AC1667EBCBE1}">
+              <a14:hiddenEffects xmlns:a14="http://schemas.microsoft.com/office/drawing/2010/main">
+                <a:effectLst>
+                  <a:outerShdw dist="35921" dir="2700000" algn="ctr" rotWithShape="0">
+                    <a:schemeClr val="bg2"/>
+                  </a:outerShdw>
+                </a:effectLst>
+              </a14:hiddenEffects>
+            </a:ext>
+          </a:extLst>
+        </p:spPr>
+      </p:pic>
+      <p:pic>
+        <p:nvPicPr>
+          <p:cNvPr id="1027" name="Picture 3"/>
+          <p:cNvPicPr>
+            <a:picLocks noChangeAspect="1" noChangeArrowheads="1"/>
+          </p:cNvPicPr>
+          <p:nvPr/>
+        </p:nvPicPr>
+        <p:blipFill>
+          <a:blip r:embed="rId3">
+            <a:extLst>
+              <a:ext uri="{28A0092B-C50C-407E-A947-70E740481C1C}">
+                <a14:useLocalDpi xmlns:a14="http://schemas.microsoft.com/office/drawing/2010/main" val="0"/>
+              </a:ext>
+            </a:extLst>
+          </a:blip>
+          <a:srcRect/>
+          <a:stretch>
+            <a:fillRect/>
+          </a:stretch>
+        </p:blipFill>
+        <p:spPr bwMode="auto">
+          <a:xfrm>
+            <a:off x="5148064" y="199742"/>
+            <a:ext cx="3390702" cy="3218585"/>
+          </a:xfrm>
+          <a:prstGeom prst="rect">
+            <a:avLst/>
+          </a:prstGeom>
+          <a:noFill/>
+          <a:ln>
+            <a:noFill/>
+          </a:ln>
+          <a:effectLst/>
+          <a:extLst>
+            <a:ext uri="{909E8E84-426E-40DD-AFC4-6F175D3DCCD1}">
+              <a14:hiddenFill xmlns:a14="http://schemas.microsoft.com/office/drawing/2010/main">
+                <a:solidFill>
+                  <a:schemeClr val="accent1"/>
+                </a:solidFill>
+              </a14:hiddenFill>
+            </a:ext>
+            <a:ext uri="{91240B29-F687-4F45-9708-019B960494DF}">
+              <a14:hiddenLine xmlns:a14="http://schemas.microsoft.com/office/drawing/2010/main" w="9525">
+                <a:solidFill>
+                  <a:schemeClr val="tx1"/>
+                </a:solidFill>
+                <a:miter lim="800000"/>
+                <a:headEnd/>
+                <a:tailEnd/>
+              </a14:hiddenLine>
+            </a:ext>
+            <a:ext uri="{AF507438-7753-43E0-B8FC-AC1667EBCBE1}">
+              <a14:hiddenEffects xmlns:a14="http://schemas.microsoft.com/office/drawing/2010/main">
+                <a:effectLst>
+                  <a:outerShdw dist="35921" dir="2700000" algn="ctr" rotWithShape="0">
+                    <a:schemeClr val="bg2"/>
+                  </a:outerShdw>
+                </a:effectLst>
+              </a14:hiddenEffects>
+            </a:ext>
+          </a:extLst>
+        </p:spPr>
+      </p:pic>
+      <p:pic>
+        <p:nvPicPr>
+          <p:cNvPr id="1028" name="Picture 4"/>
+          <p:cNvPicPr>
+            <a:picLocks noChangeAspect="1" noChangeArrowheads="1"/>
+          </p:cNvPicPr>
+          <p:nvPr/>
+        </p:nvPicPr>
+        <p:blipFill>
+          <a:blip r:embed="rId4">
+            <a:extLst>
+              <a:ext uri="{28A0092B-C50C-407E-A947-70E740481C1C}">
+                <a14:useLocalDpi xmlns:a14="http://schemas.microsoft.com/office/drawing/2010/main" val="0"/>
+              </a:ext>
+            </a:extLst>
+          </a:blip>
+          <a:srcRect/>
+          <a:stretch>
+            <a:fillRect/>
+          </a:stretch>
+        </p:blipFill>
+        <p:spPr bwMode="auto">
+          <a:xfrm>
+            <a:off x="1331640" y="3436261"/>
+            <a:ext cx="3442509" cy="3182134"/>
+          </a:xfrm>
+          <a:prstGeom prst="rect">
+            <a:avLst/>
+          </a:prstGeom>
+          <a:noFill/>
+          <a:ln>
+            <a:noFill/>
+          </a:ln>
+          <a:effectLst/>
+          <a:extLst>
+            <a:ext uri="{909E8E84-426E-40DD-AFC4-6F175D3DCCD1}">
+              <a14:hiddenFill xmlns:a14="http://schemas.microsoft.com/office/drawing/2010/main">
+                <a:solidFill>
+                  <a:schemeClr val="accent1"/>
+                </a:solidFill>
+              </a14:hiddenFill>
+            </a:ext>
+            <a:ext uri="{91240B29-F687-4F45-9708-019B960494DF}">
+              <a14:hiddenLine xmlns:a14="http://schemas.microsoft.com/office/drawing/2010/main" w="9525">
+                <a:solidFill>
+                  <a:schemeClr val="tx1"/>
+                </a:solidFill>
+                <a:miter lim="800000"/>
+                <a:headEnd/>
+                <a:tailEnd/>
+              </a14:hiddenLine>
+            </a:ext>
+            <a:ext uri="{AF507438-7753-43E0-B8FC-AC1667EBCBE1}">
+              <a14:hiddenEffects xmlns:a14="http://schemas.microsoft.com/office/drawing/2010/main">
+                <a:effectLst>
+                  <a:outerShdw dist="35921" dir="2700000" algn="ctr" rotWithShape="0">
+                    <a:schemeClr val="bg2"/>
+                  </a:outerShdw>
+                </a:effectLst>
+              </a14:hiddenEffects>
+            </a:ext>
+          </a:extLst>
+        </p:spPr>
+      </p:pic>
+      <p:pic>
+        <p:nvPicPr>
+          <p:cNvPr id="1030" name="Picture 6"/>
+          <p:cNvPicPr>
+            <a:picLocks noChangeAspect="1" noChangeArrowheads="1"/>
+          </p:cNvPicPr>
+          <p:nvPr/>
+        </p:nvPicPr>
+        <p:blipFill>
+          <a:blip r:embed="rId5">
+            <a:extLst>
+              <a:ext uri="{28A0092B-C50C-407E-A947-70E740481C1C}">
+                <a14:useLocalDpi xmlns:a14="http://schemas.microsoft.com/office/drawing/2010/main" val="0"/>
+              </a:ext>
+            </a:extLst>
+          </a:blip>
+          <a:srcRect/>
+          <a:stretch>
+            <a:fillRect/>
+          </a:stretch>
+        </p:blipFill>
+        <p:spPr bwMode="auto">
+          <a:xfrm>
+            <a:off x="5321001" y="3436262"/>
+            <a:ext cx="3547121" cy="3182134"/>
+          </a:xfrm>
+          <a:prstGeom prst="rect">
+            <a:avLst/>
+          </a:prstGeom>
+          <a:noFill/>
+          <a:ln>
+            <a:noFill/>
+          </a:ln>
+          <a:effectLst/>
+          <a:extLst>
+            <a:ext uri="{909E8E84-426E-40DD-AFC4-6F175D3DCCD1}">
+              <a14:hiddenFill xmlns:a14="http://schemas.microsoft.com/office/drawing/2010/main">
+                <a:solidFill>
+                  <a:schemeClr val="accent1"/>
+                </a:solidFill>
+              </a14:hiddenFill>
+            </a:ext>
+            <a:ext uri="{91240B29-F687-4F45-9708-019B960494DF}">
+              <a14:hiddenLine xmlns:a14="http://schemas.microsoft.com/office/drawing/2010/main" w="9525">
+                <a:solidFill>
+                  <a:schemeClr val="tx1"/>
+                </a:solidFill>
+                <a:miter lim="800000"/>
+                <a:headEnd/>
+                <a:tailEnd/>
+              </a14:hiddenLine>
+            </a:ext>
+            <a:ext uri="{AF507438-7753-43E0-B8FC-AC1667EBCBE1}">
+              <a14:hiddenEffects xmlns:a14="http://schemas.microsoft.com/office/drawing/2010/main">
+                <a:effectLst>
+                  <a:outerShdw dist="35921" dir="2700000" algn="ctr" rotWithShape="0">
+                    <a:schemeClr val="bg2"/>
+                  </a:outerShdw>
+                </a:effectLst>
+              </a14:hiddenEffects>
+            </a:ext>
+          </a:extLst>
+        </p:spPr>
+      </p:pic>
+      <p:sp>
+        <p:nvSpPr>
+          <p:cNvPr id="4" name="pole tekstowe 3"/>
+          <p:cNvSpPr txBox="1"/>
+          <p:nvPr/>
+        </p:nvSpPr>
+        <p:spPr>
+          <a:xfrm>
+            <a:off x="1547664" y="764704"/>
+            <a:ext cx="393056" cy="584775"/>
+          </a:xfrm>
+          <a:prstGeom prst="rect">
+            <a:avLst/>
+          </a:prstGeom>
+          <a:noFill/>
+        </p:spPr>
+        <p:txBody>
+          <a:bodyPr wrap="none" rtlCol="0">
+            <a:spAutoFit/>
+          </a:bodyPr>
+          <a:lstStyle/>
+          <a:p>
+            <a:r>
+              <a:rPr lang="pl-PL" sz="3200" b="1" dirty="0" smtClean="0"/>
+              <a:t>0</a:t>
+            </a:r>
+            <a:endParaRPr lang="pl-PL" sz="2000" b="1" dirty="0"/>
+          </a:p>
+        </p:txBody>
+      </p:sp>
+      <p:sp>
+        <p:nvSpPr>
+          <p:cNvPr id="10" name="pole tekstowe 9"/>
+          <p:cNvSpPr txBox="1"/>
+          <p:nvPr/>
+        </p:nvSpPr>
+        <p:spPr>
+          <a:xfrm>
+            <a:off x="5508104" y="764704"/>
+            <a:ext cx="393056" cy="584775"/>
+          </a:xfrm>
+          <a:prstGeom prst="rect">
+            <a:avLst/>
+          </a:prstGeom>
+          <a:noFill/>
+        </p:spPr>
+        <p:txBody>
+          <a:bodyPr wrap="none" rtlCol="0">
+            <a:spAutoFit/>
+          </a:bodyPr>
+          <a:lstStyle/>
+          <a:p>
+            <a:r>
+              <a:rPr lang="pl-PL" sz="3200" b="1" dirty="0" smtClean="0"/>
+              <a:t>1</a:t>
+            </a:r>
+            <a:endParaRPr lang="pl-PL" sz="2000" b="1" dirty="0"/>
+          </a:p>
+        </p:txBody>
+      </p:sp>
+      <p:sp>
+        <p:nvSpPr>
+          <p:cNvPr id="11" name="pole tekstowe 10"/>
+          <p:cNvSpPr txBox="1"/>
+          <p:nvPr/>
+        </p:nvSpPr>
+        <p:spPr>
+          <a:xfrm>
+            <a:off x="1547664" y="3933056"/>
+            <a:ext cx="393056" cy="584775"/>
+          </a:xfrm>
+          <a:prstGeom prst="rect">
+            <a:avLst/>
+          </a:prstGeom>
+          <a:noFill/>
+        </p:spPr>
+        <p:txBody>
+          <a:bodyPr wrap="none" rtlCol="0">
+            <a:spAutoFit/>
+          </a:bodyPr>
+          <a:lstStyle/>
+          <a:p>
+            <a:r>
+              <a:rPr lang="pl-PL" sz="3200" b="1" dirty="0" smtClean="0"/>
+              <a:t>2</a:t>
+            </a:r>
+            <a:endParaRPr lang="pl-PL" b="1" dirty="0"/>
+          </a:p>
+        </p:txBody>
+      </p:sp>
+      <p:sp>
+        <p:nvSpPr>
+          <p:cNvPr id="12" name="pole tekstowe 11"/>
+          <p:cNvSpPr txBox="1"/>
+          <p:nvPr/>
+        </p:nvSpPr>
+        <p:spPr>
+          <a:xfrm>
+            <a:off x="5321001" y="4077072"/>
+            <a:ext cx="1015856" cy="584775"/>
+          </a:xfrm>
+          <a:prstGeom prst="rect">
+            <a:avLst/>
+          </a:prstGeom>
+          <a:noFill/>
+        </p:spPr>
+        <p:txBody>
+          <a:bodyPr wrap="none" rtlCol="0">
+            <a:spAutoFit/>
+          </a:bodyPr>
+          <a:lstStyle/>
+          <a:p>
+            <a:r>
+              <a:rPr lang="pl-PL" sz="3200" b="1" dirty="0" smtClean="0"/>
+              <a:t>żółte</a:t>
+            </a:r>
+            <a:endParaRPr lang="pl-PL" sz="2000" b="1" dirty="0"/>
           </a:p>
         </p:txBody>
       </p:sp>
@@ -3223,6 +3562,412 @@
 </file>
 
 <file path=ppt/slides/slide3.xml><?xml version="1.0" encoding="utf-8"?>
+<p:sld xmlns:a="http://schemas.openxmlformats.org/drawingml/2006/main" xmlns:r="http://schemas.openxmlformats.org/officeDocument/2006/relationships" xmlns:p="http://schemas.openxmlformats.org/presentationml/2006/main">
+  <p:cSld>
+    <p:spTree>
+      <p:nvGrpSpPr>
+        <p:cNvPr id="1" name=""/>
+        <p:cNvGrpSpPr/>
+        <p:nvPr/>
+      </p:nvGrpSpPr>
+      <p:grpSpPr>
+        <a:xfrm>
+          <a:off x="0" y="0"/>
+          <a:ext cx="0" cy="0"/>
+          <a:chOff x="0" y="0"/>
+          <a:chExt cx="0" cy="0"/>
+        </a:xfrm>
+      </p:grpSpPr>
+      <p:pic>
+        <p:nvPicPr>
+          <p:cNvPr id="2050" name="Picture 2"/>
+          <p:cNvPicPr>
+            <a:picLocks noChangeAspect="1" noChangeArrowheads="1"/>
+          </p:cNvPicPr>
+          <p:nvPr/>
+        </p:nvPicPr>
+        <p:blipFill>
+          <a:blip r:embed="rId2">
+            <a:extLst>
+              <a:ext uri="{28A0092B-C50C-407E-A947-70E740481C1C}">
+                <a14:useLocalDpi xmlns:a14="http://schemas.microsoft.com/office/drawing/2010/main" val="0"/>
+              </a:ext>
+            </a:extLst>
+          </a:blip>
+          <a:srcRect/>
+          <a:stretch>
+            <a:fillRect/>
+          </a:stretch>
+        </p:blipFill>
+        <p:spPr bwMode="auto">
+          <a:xfrm>
+            <a:off x="971600" y="213479"/>
+            <a:ext cx="3484777" cy="3209144"/>
+          </a:xfrm>
+          <a:prstGeom prst="rect">
+            <a:avLst/>
+          </a:prstGeom>
+          <a:noFill/>
+          <a:ln>
+            <a:noFill/>
+          </a:ln>
+          <a:effectLst/>
+          <a:extLst>
+            <a:ext uri="{909E8E84-426E-40DD-AFC4-6F175D3DCCD1}">
+              <a14:hiddenFill xmlns:a14="http://schemas.microsoft.com/office/drawing/2010/main">
+                <a:solidFill>
+                  <a:schemeClr val="accent1"/>
+                </a:solidFill>
+              </a14:hiddenFill>
+            </a:ext>
+            <a:ext uri="{91240B29-F687-4F45-9708-019B960494DF}">
+              <a14:hiddenLine xmlns:a14="http://schemas.microsoft.com/office/drawing/2010/main" w="9525">
+                <a:solidFill>
+                  <a:schemeClr val="tx1"/>
+                </a:solidFill>
+                <a:miter lim="800000"/>
+                <a:headEnd/>
+                <a:tailEnd/>
+              </a14:hiddenLine>
+            </a:ext>
+            <a:ext uri="{AF507438-7753-43E0-B8FC-AC1667EBCBE1}">
+              <a14:hiddenEffects xmlns:a14="http://schemas.microsoft.com/office/drawing/2010/main">
+                <a:effectLst>
+                  <a:outerShdw dist="35921" dir="2700000" algn="ctr" rotWithShape="0">
+                    <a:schemeClr val="bg2"/>
+                  </a:outerShdw>
+                </a:effectLst>
+              </a14:hiddenEffects>
+            </a:ext>
+          </a:extLst>
+        </p:spPr>
+      </p:pic>
+      <p:pic>
+        <p:nvPicPr>
+          <p:cNvPr id="2051" name="Picture 3"/>
+          <p:cNvPicPr>
+            <a:picLocks noChangeAspect="1" noChangeArrowheads="1"/>
+          </p:cNvPicPr>
+          <p:nvPr/>
+        </p:nvPicPr>
+        <p:blipFill>
+          <a:blip r:embed="rId3">
+            <a:extLst>
+              <a:ext uri="{28A0092B-C50C-407E-A947-70E740481C1C}">
+                <a14:useLocalDpi xmlns:a14="http://schemas.microsoft.com/office/drawing/2010/main" val="0"/>
+              </a:ext>
+            </a:extLst>
+          </a:blip>
+          <a:srcRect/>
+          <a:stretch>
+            <a:fillRect/>
+          </a:stretch>
+        </p:blipFill>
+        <p:spPr bwMode="auto">
+          <a:xfrm>
+            <a:off x="5141912" y="107001"/>
+            <a:ext cx="3431286" cy="3224894"/>
+          </a:xfrm>
+          <a:prstGeom prst="rect">
+            <a:avLst/>
+          </a:prstGeom>
+          <a:noFill/>
+          <a:ln>
+            <a:noFill/>
+          </a:ln>
+          <a:effectLst/>
+          <a:extLst>
+            <a:ext uri="{909E8E84-426E-40DD-AFC4-6F175D3DCCD1}">
+              <a14:hiddenFill xmlns:a14="http://schemas.microsoft.com/office/drawing/2010/main">
+                <a:solidFill>
+                  <a:schemeClr val="accent1"/>
+                </a:solidFill>
+              </a14:hiddenFill>
+            </a:ext>
+            <a:ext uri="{91240B29-F687-4F45-9708-019B960494DF}">
+              <a14:hiddenLine xmlns:a14="http://schemas.microsoft.com/office/drawing/2010/main" w="9525">
+                <a:solidFill>
+                  <a:schemeClr val="tx1"/>
+                </a:solidFill>
+                <a:miter lim="800000"/>
+                <a:headEnd/>
+                <a:tailEnd/>
+              </a14:hiddenLine>
+            </a:ext>
+            <a:ext uri="{AF507438-7753-43E0-B8FC-AC1667EBCBE1}">
+              <a14:hiddenEffects xmlns:a14="http://schemas.microsoft.com/office/drawing/2010/main">
+                <a:effectLst>
+                  <a:outerShdw dist="35921" dir="2700000" algn="ctr" rotWithShape="0">
+                    <a:schemeClr val="bg2"/>
+                  </a:outerShdw>
+                </a:effectLst>
+              </a14:hiddenEffects>
+            </a:ext>
+          </a:extLst>
+        </p:spPr>
+      </p:pic>
+      <p:pic>
+        <p:nvPicPr>
+          <p:cNvPr id="2052" name="Picture 4"/>
+          <p:cNvPicPr>
+            <a:picLocks noChangeAspect="1" noChangeArrowheads="1"/>
+          </p:cNvPicPr>
+          <p:nvPr/>
+        </p:nvPicPr>
+        <p:blipFill>
+          <a:blip r:embed="rId4">
+            <a:extLst>
+              <a:ext uri="{28A0092B-C50C-407E-A947-70E740481C1C}">
+                <a14:useLocalDpi xmlns:a14="http://schemas.microsoft.com/office/drawing/2010/main" val="0"/>
+              </a:ext>
+            </a:extLst>
+          </a:blip>
+          <a:srcRect/>
+          <a:stretch>
+            <a:fillRect/>
+          </a:stretch>
+        </p:blipFill>
+        <p:spPr bwMode="auto">
+          <a:xfrm>
+            <a:off x="948383" y="3536472"/>
+            <a:ext cx="3484776" cy="3239096"/>
+          </a:xfrm>
+          <a:prstGeom prst="rect">
+            <a:avLst/>
+          </a:prstGeom>
+          <a:noFill/>
+          <a:ln>
+            <a:noFill/>
+          </a:ln>
+          <a:effectLst/>
+          <a:extLst>
+            <a:ext uri="{909E8E84-426E-40DD-AFC4-6F175D3DCCD1}">
+              <a14:hiddenFill xmlns:a14="http://schemas.microsoft.com/office/drawing/2010/main">
+                <a:solidFill>
+                  <a:schemeClr val="accent1"/>
+                </a:solidFill>
+              </a14:hiddenFill>
+            </a:ext>
+            <a:ext uri="{91240B29-F687-4F45-9708-019B960494DF}">
+              <a14:hiddenLine xmlns:a14="http://schemas.microsoft.com/office/drawing/2010/main" w="9525">
+                <a:solidFill>
+                  <a:schemeClr val="tx1"/>
+                </a:solidFill>
+                <a:miter lim="800000"/>
+                <a:headEnd/>
+                <a:tailEnd/>
+              </a14:hiddenLine>
+            </a:ext>
+            <a:ext uri="{AF507438-7753-43E0-B8FC-AC1667EBCBE1}">
+              <a14:hiddenEffects xmlns:a14="http://schemas.microsoft.com/office/drawing/2010/main">
+                <a:effectLst>
+                  <a:outerShdw dist="35921" dir="2700000" algn="ctr" rotWithShape="0">
+                    <a:schemeClr val="bg2"/>
+                  </a:outerShdw>
+                </a:effectLst>
+              </a14:hiddenEffects>
+            </a:ext>
+          </a:extLst>
+        </p:spPr>
+      </p:pic>
+      <p:pic>
+        <p:nvPicPr>
+          <p:cNvPr id="2053" name="Picture 5"/>
+          <p:cNvPicPr>
+            <a:picLocks noChangeAspect="1" noChangeArrowheads="1"/>
+          </p:cNvPicPr>
+          <p:nvPr/>
+        </p:nvPicPr>
+        <p:blipFill>
+          <a:blip r:embed="rId5">
+            <a:extLst>
+              <a:ext uri="{28A0092B-C50C-407E-A947-70E740481C1C}">
+                <a14:useLocalDpi xmlns:a14="http://schemas.microsoft.com/office/drawing/2010/main" val="0"/>
+              </a:ext>
+            </a:extLst>
+          </a:blip>
+          <a:srcRect/>
+          <a:stretch>
+            <a:fillRect/>
+          </a:stretch>
+        </p:blipFill>
+        <p:spPr bwMode="auto">
+          <a:xfrm>
+            <a:off x="5141911" y="3534690"/>
+            <a:ext cx="3369386" cy="3185371"/>
+          </a:xfrm>
+          <a:prstGeom prst="rect">
+            <a:avLst/>
+          </a:prstGeom>
+          <a:noFill/>
+          <a:ln>
+            <a:noFill/>
+          </a:ln>
+          <a:effectLst/>
+          <a:extLst>
+            <a:ext uri="{909E8E84-426E-40DD-AFC4-6F175D3DCCD1}">
+              <a14:hiddenFill xmlns:a14="http://schemas.microsoft.com/office/drawing/2010/main">
+                <a:solidFill>
+                  <a:schemeClr val="accent1"/>
+                </a:solidFill>
+              </a14:hiddenFill>
+            </a:ext>
+            <a:ext uri="{91240B29-F687-4F45-9708-019B960494DF}">
+              <a14:hiddenLine xmlns:a14="http://schemas.microsoft.com/office/drawing/2010/main" w="9525">
+                <a:solidFill>
+                  <a:schemeClr val="tx1"/>
+                </a:solidFill>
+                <a:miter lim="800000"/>
+                <a:headEnd/>
+                <a:tailEnd/>
+              </a14:hiddenLine>
+            </a:ext>
+            <a:ext uri="{AF507438-7753-43E0-B8FC-AC1667EBCBE1}">
+              <a14:hiddenEffects xmlns:a14="http://schemas.microsoft.com/office/drawing/2010/main">
+                <a:effectLst>
+                  <a:outerShdw dist="35921" dir="2700000" algn="ctr" rotWithShape="0">
+                    <a:schemeClr val="bg2"/>
+                  </a:outerShdw>
+                </a:effectLst>
+              </a14:hiddenEffects>
+            </a:ext>
+          </a:extLst>
+        </p:spPr>
+      </p:pic>
+      <p:sp>
+        <p:nvSpPr>
+          <p:cNvPr id="8" name="pole tekstowe 7"/>
+          <p:cNvSpPr txBox="1"/>
+          <p:nvPr/>
+        </p:nvSpPr>
+        <p:spPr>
+          <a:xfrm>
+            <a:off x="1279452" y="692696"/>
+            <a:ext cx="393056" cy="584775"/>
+          </a:xfrm>
+          <a:prstGeom prst="rect">
+            <a:avLst/>
+          </a:prstGeom>
+          <a:noFill/>
+        </p:spPr>
+        <p:txBody>
+          <a:bodyPr wrap="none" rtlCol="0">
+            <a:spAutoFit/>
+          </a:bodyPr>
+          <a:lstStyle/>
+          <a:p>
+            <a:r>
+              <a:rPr lang="pl-PL" sz="3200" b="1" dirty="0" smtClean="0"/>
+              <a:t>0</a:t>
+            </a:r>
+            <a:endParaRPr lang="pl-PL" sz="2000" b="1" dirty="0"/>
+          </a:p>
+        </p:txBody>
+      </p:sp>
+      <p:sp>
+        <p:nvSpPr>
+          <p:cNvPr id="9" name="pole tekstowe 8"/>
+          <p:cNvSpPr txBox="1"/>
+          <p:nvPr/>
+        </p:nvSpPr>
+        <p:spPr>
+          <a:xfrm>
+            <a:off x="1279452" y="4005064"/>
+            <a:ext cx="393056" cy="584775"/>
+          </a:xfrm>
+          <a:prstGeom prst="rect">
+            <a:avLst/>
+          </a:prstGeom>
+          <a:noFill/>
+        </p:spPr>
+        <p:txBody>
+          <a:bodyPr wrap="none" rtlCol="0">
+            <a:spAutoFit/>
+          </a:bodyPr>
+          <a:lstStyle/>
+          <a:p>
+            <a:r>
+              <a:rPr lang="pl-PL" sz="3200" b="1" dirty="0" smtClean="0"/>
+              <a:t>2</a:t>
+            </a:r>
+            <a:endParaRPr lang="pl-PL" sz="2000" b="1" dirty="0"/>
+          </a:p>
+        </p:txBody>
+      </p:sp>
+      <p:sp>
+        <p:nvSpPr>
+          <p:cNvPr id="10" name="pole tekstowe 9"/>
+          <p:cNvSpPr txBox="1"/>
+          <p:nvPr/>
+        </p:nvSpPr>
+        <p:spPr>
+          <a:xfrm>
+            <a:off x="5220072" y="3815705"/>
+            <a:ext cx="1015856" cy="584775"/>
+          </a:xfrm>
+          <a:prstGeom prst="rect">
+            <a:avLst/>
+          </a:prstGeom>
+          <a:noFill/>
+        </p:spPr>
+        <p:txBody>
+          <a:bodyPr wrap="none" rtlCol="0">
+            <a:spAutoFit/>
+          </a:bodyPr>
+          <a:lstStyle/>
+          <a:p>
+            <a:r>
+              <a:rPr lang="pl-PL" sz="3200" b="1" dirty="0" smtClean="0"/>
+              <a:t>żółte</a:t>
+            </a:r>
+            <a:endParaRPr lang="pl-PL" sz="2000" b="1" dirty="0"/>
+          </a:p>
+        </p:txBody>
+      </p:sp>
+      <p:sp>
+        <p:nvSpPr>
+          <p:cNvPr id="11" name="pole tekstowe 10"/>
+          <p:cNvSpPr txBox="1"/>
+          <p:nvPr/>
+        </p:nvSpPr>
+        <p:spPr>
+          <a:xfrm>
+            <a:off x="5474156" y="692696"/>
+            <a:ext cx="393056" cy="584775"/>
+          </a:xfrm>
+          <a:prstGeom prst="rect">
+            <a:avLst/>
+          </a:prstGeom>
+          <a:noFill/>
+        </p:spPr>
+        <p:txBody>
+          <a:bodyPr wrap="none" rtlCol="0">
+            <a:spAutoFit/>
+          </a:bodyPr>
+          <a:lstStyle/>
+          <a:p>
+            <a:r>
+              <a:rPr lang="pl-PL" sz="3200" b="1" dirty="0" smtClean="0"/>
+              <a:t>1</a:t>
+            </a:r>
+            <a:endParaRPr lang="pl-PL" sz="2000" b="1" dirty="0"/>
+          </a:p>
+        </p:txBody>
+      </p:sp>
+    </p:spTree>
+    <p:extLst>
+      <p:ext uri="{BB962C8B-B14F-4D97-AF65-F5344CB8AC3E}">
+        <p14:creationId xmlns:p14="http://schemas.microsoft.com/office/powerpoint/2010/main" val="3416941703"/>
+      </p:ext>
+    </p:extLst>
+  </p:cSld>
+  <p:clrMapOvr>
+    <a:masterClrMapping/>
+  </p:clrMapOvr>
+</p:sld>
+</file>
+
+<file path=ppt/slides/slide4.xml><?xml version="1.0" encoding="utf-8"?>
 <p:sld xmlns:a="http://schemas.openxmlformats.org/drawingml/2006/main" xmlns:r="http://schemas.openxmlformats.org/officeDocument/2006/relationships" xmlns:p="http://schemas.openxmlformats.org/presentationml/2006/main">
   <p:cSld>
     <p:spTree>
@@ -3316,7 +4061,7 @@
 </p:sld>
 </file>
 
-<file path=ppt/slides/slide4.xml><?xml version="1.0" encoding="utf-8"?>
+<file path=ppt/slides/slide5.xml><?xml version="1.0" encoding="utf-8"?>
 <p:sld xmlns:a="http://schemas.openxmlformats.org/drawingml/2006/main" xmlns:r="http://schemas.openxmlformats.org/officeDocument/2006/relationships" xmlns:p="http://schemas.openxmlformats.org/presentationml/2006/main">
   <p:cSld>
     <p:spTree>
@@ -3624,7 +4369,7 @@
 </p:sld>
 </file>
 
-<file path=ppt/slides/slide5.xml><?xml version="1.0" encoding="utf-8"?>
+<file path=ppt/slides/slide6.xml><?xml version="1.0" encoding="utf-8"?>
 <p:sld xmlns:a="http://schemas.openxmlformats.org/drawingml/2006/main" xmlns:r="http://schemas.openxmlformats.org/officeDocument/2006/relationships" xmlns:p="http://schemas.openxmlformats.org/presentationml/2006/main">
   <p:cSld>
     <p:spTree>
@@ -3936,7 +4681,7 @@
 </p:sld>
 </file>
 
-<file path=ppt/slides/slide6.xml><?xml version="1.0" encoding="utf-8"?>
+<file path=ppt/slides/slide7.xml><?xml version="1.0" encoding="utf-8"?>
 <p:sld xmlns:a="http://schemas.openxmlformats.org/drawingml/2006/main" xmlns:r="http://schemas.openxmlformats.org/officeDocument/2006/relationships" xmlns:p="http://schemas.openxmlformats.org/presentationml/2006/main">
   <p:cSld>
     <p:spTree>
